--- a/資料/ER図_DB.pptx
+++ b/資料/ER図_DB.pptx
@@ -4286,14 +4286,6 @@
               </a:rPr>
               <a:t>E-Mail</a:t>
             </a:r>
-            <a:endParaRPr kumimoji="1" lang="en-US" altLang="ja-JP" sz="1400" dirty="0" smtClean="0">
-              <a:solidFill>
-                <a:schemeClr val="tx1"/>
-              </a:solidFill>
-              <a:latin typeface="メイリオ" panose="020B0604030504040204" pitchFamily="50" charset="-128"/>
-              <a:ea typeface="メイリオ" panose="020B0604030504040204" pitchFamily="50" charset="-128"/>
-              <a:cs typeface="メイリオ" panose="020B0604030504040204" pitchFamily="50" charset="-128"/>
-            </a:endParaRPr>
           </a:p>
           <a:p>
             <a:r>
@@ -4705,221 +4697,210 @@
           </a:p>
         </p:txBody>
       </p:sp>
-      <p:grpSp>
-        <p:nvGrpSpPr>
-          <p:cNvPr id="44" name="グループ化 43"/>
-          <p:cNvGrpSpPr/>
+      <p:cxnSp>
+        <p:nvCxnSpPr>
+          <p:cNvPr id="70" name="直線矢印コネクタ 69"/>
+          <p:cNvCxnSpPr/>
           <p:nvPr/>
-        </p:nvGrpSpPr>
-        <p:grpSpPr>
+        </p:nvCxnSpPr>
+        <p:spPr>
           <a:xfrm>
-            <a:off x="4770215" y="3339735"/>
-            <a:ext cx="2531792" cy="460937"/>
-            <a:chOff x="5334989" y="3272500"/>
-            <a:chExt cx="1940690" cy="353321"/>
+            <a:off x="4752339" y="3606091"/>
+            <a:ext cx="2549668" cy="4764"/>
           </a:xfrm>
-        </p:grpSpPr>
-        <p:cxnSp>
-          <p:nvCxnSpPr>
-            <p:cNvPr id="70" name="直線矢印コネクタ 69"/>
-            <p:cNvCxnSpPr/>
-            <p:nvPr/>
-          </p:nvCxnSpPr>
-          <p:spPr>
-            <a:xfrm>
-              <a:off x="5334989" y="3469049"/>
-              <a:ext cx="1940690" cy="11272"/>
-            </a:xfrm>
-            <a:prstGeom prst="straightConnector1">
-              <a:avLst/>
-            </a:prstGeom>
-            <a:ln w="28575">
-              <a:solidFill>
-                <a:schemeClr val="tx1"/>
-              </a:solidFill>
-              <a:prstDash val="solid"/>
-              <a:headEnd type="none" w="med" len="med"/>
-              <a:tailEnd type="none" w="med" len="med"/>
-            </a:ln>
-          </p:spPr>
-          <p:style>
-            <a:lnRef idx="1">
-              <a:schemeClr val="accent1"/>
-            </a:lnRef>
-            <a:fillRef idx="0">
-              <a:schemeClr val="accent1"/>
-            </a:fillRef>
-            <a:effectRef idx="0">
-              <a:schemeClr val="accent1"/>
-            </a:effectRef>
-            <a:fontRef idx="minor">
+          <a:prstGeom prst="straightConnector1">
+            <a:avLst/>
+          </a:prstGeom>
+          <a:ln w="28575">
+            <a:solidFill>
               <a:schemeClr val="tx1"/>
-            </a:fontRef>
-          </p:style>
-        </p:cxnSp>
-        <p:cxnSp>
-          <p:nvCxnSpPr>
-            <p:cNvPr id="72" name="直線矢印コネクタ 71"/>
-            <p:cNvCxnSpPr/>
-            <p:nvPr/>
-          </p:nvCxnSpPr>
-          <p:spPr>
-            <a:xfrm>
-              <a:off x="5334989" y="3272500"/>
-              <a:ext cx="283674" cy="207821"/>
-            </a:xfrm>
-            <a:prstGeom prst="straightConnector1">
-              <a:avLst/>
-            </a:prstGeom>
-            <a:ln w="28575">
-              <a:solidFill>
-                <a:schemeClr val="tx1"/>
-              </a:solidFill>
-              <a:prstDash val="solid"/>
-              <a:headEnd type="none" w="med" len="med"/>
-              <a:tailEnd type="none" w="med" len="med"/>
-            </a:ln>
-          </p:spPr>
-          <p:style>
-            <a:lnRef idx="1">
-              <a:schemeClr val="accent1"/>
-            </a:lnRef>
-            <a:fillRef idx="0">
-              <a:schemeClr val="accent1"/>
-            </a:fillRef>
-            <a:effectRef idx="0">
-              <a:schemeClr val="accent1"/>
-            </a:effectRef>
-            <a:fontRef idx="minor">
+            </a:solidFill>
+            <a:prstDash val="solid"/>
+            <a:headEnd type="none" w="med" len="med"/>
+            <a:tailEnd type="none" w="med" len="med"/>
+          </a:ln>
+        </p:spPr>
+        <p:style>
+          <a:lnRef idx="1">
+            <a:schemeClr val="accent1"/>
+          </a:lnRef>
+          <a:fillRef idx="0">
+            <a:schemeClr val="accent1"/>
+          </a:fillRef>
+          <a:effectRef idx="0">
+            <a:schemeClr val="accent1"/>
+          </a:effectRef>
+          <a:fontRef idx="minor">
+            <a:schemeClr val="tx1"/>
+          </a:fontRef>
+        </p:style>
+      </p:cxnSp>
+      <p:cxnSp>
+        <p:nvCxnSpPr>
+          <p:cNvPr id="72" name="直線矢印コネクタ 71"/>
+          <p:cNvCxnSpPr>
+            <a:endCxn id="40" idx="2"/>
+          </p:cNvCxnSpPr>
+          <p:nvPr/>
+        </p:nvCxnSpPr>
+        <p:spPr>
+          <a:xfrm>
+            <a:off x="4752339" y="3390900"/>
+            <a:ext cx="385331" cy="215191"/>
+          </a:xfrm>
+          <a:prstGeom prst="straightConnector1">
+            <a:avLst/>
+          </a:prstGeom>
+          <a:ln w="28575">
+            <a:solidFill>
               <a:schemeClr val="tx1"/>
-            </a:fontRef>
-          </p:style>
-        </p:cxnSp>
-        <p:cxnSp>
-          <p:nvCxnSpPr>
-            <p:cNvPr id="74" name="直線矢印コネクタ 73"/>
-            <p:cNvCxnSpPr/>
-            <p:nvPr/>
-          </p:nvCxnSpPr>
-          <p:spPr>
-            <a:xfrm flipH="1">
-              <a:off x="5334991" y="3471922"/>
-              <a:ext cx="289872" cy="153899"/>
-            </a:xfrm>
-            <a:prstGeom prst="straightConnector1">
-              <a:avLst/>
-            </a:prstGeom>
-            <a:ln w="28575">
-              <a:solidFill>
-                <a:schemeClr val="tx1"/>
-              </a:solidFill>
-              <a:prstDash val="solid"/>
-              <a:headEnd type="none" w="med" len="med"/>
-              <a:tailEnd type="none" w="med" len="med"/>
-            </a:ln>
-          </p:spPr>
-          <p:style>
-            <a:lnRef idx="1">
-              <a:schemeClr val="accent1"/>
-            </a:lnRef>
-            <a:fillRef idx="0">
-              <a:schemeClr val="accent1"/>
-            </a:fillRef>
-            <a:effectRef idx="0">
-              <a:schemeClr val="accent1"/>
-            </a:effectRef>
-            <a:fontRef idx="minor">
+            </a:solidFill>
+            <a:prstDash val="solid"/>
+            <a:headEnd type="none" w="med" len="med"/>
+            <a:tailEnd type="none" w="med" len="med"/>
+          </a:ln>
+        </p:spPr>
+        <p:style>
+          <a:lnRef idx="1">
+            <a:schemeClr val="accent1"/>
+          </a:lnRef>
+          <a:fillRef idx="0">
+            <a:schemeClr val="accent1"/>
+          </a:fillRef>
+          <a:effectRef idx="0">
+            <a:schemeClr val="accent1"/>
+          </a:effectRef>
+          <a:fontRef idx="minor">
+            <a:schemeClr val="tx1"/>
+          </a:fontRef>
+        </p:style>
+      </p:cxnSp>
+      <p:cxnSp>
+        <p:nvCxnSpPr>
+          <p:cNvPr id="74" name="直線矢印コネクタ 73"/>
+          <p:cNvCxnSpPr>
+            <a:stCxn id="40" idx="2"/>
+          </p:cNvCxnSpPr>
+          <p:nvPr/>
+        </p:nvCxnSpPr>
+        <p:spPr>
+          <a:xfrm flipH="1">
+            <a:off x="4752339" y="3606091"/>
+            <a:ext cx="385331" cy="194384"/>
+          </a:xfrm>
+          <a:prstGeom prst="straightConnector1">
+            <a:avLst/>
+          </a:prstGeom>
+          <a:ln w="28575">
+            <a:solidFill>
               <a:schemeClr val="tx1"/>
-            </a:fontRef>
-          </p:style>
-        </p:cxnSp>
-        <p:cxnSp>
-          <p:nvCxnSpPr>
-            <p:cNvPr id="87" name="直線矢印コネクタ 86"/>
-            <p:cNvCxnSpPr/>
-            <p:nvPr/>
-          </p:nvCxnSpPr>
-          <p:spPr>
-            <a:xfrm>
-              <a:off x="7150915" y="3371268"/>
-              <a:ext cx="0" cy="215707"/>
-            </a:xfrm>
-            <a:prstGeom prst="straightConnector1">
-              <a:avLst/>
-            </a:prstGeom>
-            <a:ln w="28575">
-              <a:solidFill>
-                <a:schemeClr val="tx1"/>
-              </a:solidFill>
-              <a:prstDash val="solid"/>
-              <a:headEnd type="none" w="med" len="med"/>
-              <a:tailEnd type="none" w="med" len="med"/>
-            </a:ln>
-          </p:spPr>
-          <p:style>
-            <a:lnRef idx="1">
-              <a:schemeClr val="accent1"/>
-            </a:lnRef>
-            <a:fillRef idx="0">
-              <a:schemeClr val="accent1"/>
-            </a:fillRef>
-            <a:effectRef idx="0">
-              <a:schemeClr val="accent1"/>
-            </a:effectRef>
-            <a:fontRef idx="minor">
+            </a:solidFill>
+            <a:prstDash val="solid"/>
+            <a:headEnd type="none" w="med" len="med"/>
+            <a:tailEnd type="none" w="med" len="med"/>
+          </a:ln>
+        </p:spPr>
+        <p:style>
+          <a:lnRef idx="1">
+            <a:schemeClr val="accent1"/>
+          </a:lnRef>
+          <a:fillRef idx="0">
+            <a:schemeClr val="accent1"/>
+          </a:fillRef>
+          <a:effectRef idx="0">
+            <a:schemeClr val="accent1"/>
+          </a:effectRef>
+          <a:fontRef idx="minor">
+            <a:schemeClr val="tx1"/>
+          </a:fontRef>
+        </p:style>
+      </p:cxnSp>
+      <p:cxnSp>
+        <p:nvCxnSpPr>
+          <p:cNvPr id="87" name="直線矢印コネクタ 86"/>
+          <p:cNvCxnSpPr/>
+          <p:nvPr/>
+        </p:nvCxnSpPr>
+        <p:spPr>
+          <a:xfrm>
+            <a:off x="7139242" y="3468586"/>
+            <a:ext cx="0" cy="281408"/>
+          </a:xfrm>
+          <a:prstGeom prst="straightConnector1">
+            <a:avLst/>
+          </a:prstGeom>
+          <a:ln w="28575">
+            <a:solidFill>
               <a:schemeClr val="tx1"/>
-            </a:fontRef>
-          </p:style>
-        </p:cxnSp>
-        <p:sp>
-          <p:nvSpPr>
-            <p:cNvPr id="40" name="円/楕円 39"/>
-            <p:cNvSpPr/>
-            <p:nvPr/>
-          </p:nvSpPr>
-          <p:spPr>
-            <a:xfrm>
-              <a:off x="5616654" y="3402765"/>
-              <a:ext cx="147807" cy="147807"/>
-            </a:xfrm>
-            <a:prstGeom prst="ellipse">
-              <a:avLst/>
-            </a:prstGeom>
+            </a:solidFill>
+            <a:prstDash val="solid"/>
+            <a:headEnd type="none" w="med" len="med"/>
+            <a:tailEnd type="none" w="med" len="med"/>
+          </a:ln>
+        </p:spPr>
+        <p:style>
+          <a:lnRef idx="1">
+            <a:schemeClr val="accent1"/>
+          </a:lnRef>
+          <a:fillRef idx="0">
+            <a:schemeClr val="accent1"/>
+          </a:fillRef>
+          <a:effectRef idx="0">
+            <a:schemeClr val="accent1"/>
+          </a:effectRef>
+          <a:fontRef idx="minor">
+            <a:schemeClr val="tx1"/>
+          </a:fontRef>
+        </p:style>
+      </p:cxnSp>
+      <p:sp>
+        <p:nvSpPr>
+          <p:cNvPr id="40" name="円/楕円 39"/>
+          <p:cNvSpPr/>
+          <p:nvPr/>
+        </p:nvSpPr>
+        <p:spPr>
+          <a:xfrm>
+            <a:off x="5137670" y="3509677"/>
+            <a:ext cx="192827" cy="192827"/>
+          </a:xfrm>
+          <a:prstGeom prst="ellipse">
+            <a:avLst/>
+          </a:prstGeom>
+          <a:solidFill>
+            <a:schemeClr val="bg1"/>
+          </a:solidFill>
+          <a:ln w="28575">
             <a:solidFill>
-              <a:schemeClr val="bg1"/>
+              <a:schemeClr val="tx1"/>
             </a:solidFill>
-            <a:ln w="28575">
-              <a:solidFill>
-                <a:schemeClr val="tx1"/>
-              </a:solidFill>
-            </a:ln>
-          </p:spPr>
-          <p:style>
-            <a:lnRef idx="2">
-              <a:schemeClr val="accent1">
-                <a:shade val="50000"/>
-              </a:schemeClr>
-            </a:lnRef>
-            <a:fillRef idx="1">
-              <a:schemeClr val="accent1"/>
-            </a:fillRef>
-            <a:effectRef idx="0">
-              <a:schemeClr val="accent1"/>
-            </a:effectRef>
-            <a:fontRef idx="minor">
-              <a:schemeClr val="lt1"/>
-            </a:fontRef>
-          </p:style>
-          <p:txBody>
-            <a:bodyPr rtlCol="0" anchor="ctr"/>
-            <a:lstStyle/>
-            <a:p>
-              <a:pPr algn="ctr"/>
-              <a:endParaRPr kumimoji="1" lang="ja-JP" altLang="en-US"/>
-            </a:p>
-          </p:txBody>
-        </p:sp>
-      </p:grpSp>
+          </a:ln>
+        </p:spPr>
+        <p:style>
+          <a:lnRef idx="2">
+            <a:schemeClr val="accent1">
+              <a:shade val="50000"/>
+            </a:schemeClr>
+          </a:lnRef>
+          <a:fillRef idx="1">
+            <a:schemeClr val="accent1"/>
+          </a:fillRef>
+          <a:effectRef idx="0">
+            <a:schemeClr val="accent1"/>
+          </a:effectRef>
+          <a:fontRef idx="minor">
+            <a:schemeClr val="lt1"/>
+          </a:fontRef>
+        </p:style>
+        <p:txBody>
+          <a:bodyPr rtlCol="0" anchor="ctr"/>
+          <a:lstStyle/>
+          <a:p>
+            <a:pPr algn="ctr"/>
+            <a:endParaRPr kumimoji="1" lang="ja-JP" altLang="en-US"/>
+          </a:p>
+        </p:txBody>
+      </p:sp>
     </p:spTree>
     <p:extLst>
       <p:ext uri="{BB962C8B-B14F-4D97-AF65-F5344CB8AC3E}">
